--- a/05_lab_orientation/庶務のお仕事.pptx
+++ b/05_lab_orientation/庶務のお仕事.pptx
@@ -24,7 +24,7 @@
     <p:sldId id="274" r:id="rId18"/>
   </p:sldIdLst>
   <p:sldSz cx="9144000" cy="6858000" type="screen4x3"/>
-  <p:notesSz cx="6858000" cy="9144000"/>
+  <p:notesSz cx="7104063" cy="10234613"/>
   <p:defaultTextStyle>
     <a:defPPr>
       <a:defRPr lang="en-US"/>
@@ -509,7 +509,7 @@
           <a:p>
             <a:fld id="{2BF6BA27-F998-474A-9441-D9FFA67BAC3B}" type="datetimeFigureOut">
               <a:rPr kumimoji="1" lang="ja-JP" altLang="en-US" smtClean="0"/>
-              <a:t>2018/4/3</a:t>
+              <a:t>2018/4/4</a:t>
             </a:fld>
             <a:endParaRPr kumimoji="1" lang="ja-JP" altLang="en-US"/>
           </a:p>
@@ -775,7 +775,7 @@
           <a:p>
             <a:fld id="{2BF6BA27-F998-474A-9441-D9FFA67BAC3B}" type="datetimeFigureOut">
               <a:rPr kumimoji="1" lang="ja-JP" altLang="en-US" smtClean="0"/>
-              <a:t>2018/4/3</a:t>
+              <a:t>2018/4/4</a:t>
             </a:fld>
             <a:endParaRPr kumimoji="1" lang="ja-JP" altLang="en-US"/>
           </a:p>
@@ -1025,7 +1025,7 @@
           <a:p>
             <a:fld id="{2BF6BA27-F998-474A-9441-D9FFA67BAC3B}" type="datetimeFigureOut">
               <a:rPr kumimoji="1" lang="ja-JP" altLang="en-US" smtClean="0"/>
-              <a:t>2018/4/3</a:t>
+              <a:t>2018/4/4</a:t>
             </a:fld>
             <a:endParaRPr kumimoji="1" lang="ja-JP" altLang="en-US"/>
           </a:p>
@@ -1333,7 +1333,7 @@
           <a:p>
             <a:fld id="{2BF6BA27-F998-474A-9441-D9FFA67BAC3B}" type="datetimeFigureOut">
               <a:rPr kumimoji="1" lang="ja-JP" altLang="en-US" smtClean="0"/>
-              <a:t>2018/4/3</a:t>
+              <a:t>2018/4/4</a:t>
             </a:fld>
             <a:endParaRPr kumimoji="1" lang="ja-JP" altLang="en-US"/>
           </a:p>
@@ -1651,7 +1651,7 @@
           <a:p>
             <a:fld id="{2BF6BA27-F998-474A-9441-D9FFA67BAC3B}" type="datetimeFigureOut">
               <a:rPr kumimoji="1" lang="ja-JP" altLang="en-US" smtClean="0"/>
-              <a:t>2018/4/3</a:t>
+              <a:t>2018/4/4</a:t>
             </a:fld>
             <a:endParaRPr kumimoji="1" lang="ja-JP" altLang="en-US"/>
           </a:p>
@@ -1953,7 +1953,7 @@
           <a:p>
             <a:fld id="{2BF6BA27-F998-474A-9441-D9FFA67BAC3B}" type="datetimeFigureOut">
               <a:rPr kumimoji="1" lang="ja-JP" altLang="en-US" smtClean="0"/>
-              <a:t>2018/4/3</a:t>
+              <a:t>2018/4/4</a:t>
             </a:fld>
             <a:endParaRPr kumimoji="1" lang="ja-JP" altLang="en-US"/>
           </a:p>
@@ -2320,7 +2320,7 @@
           <a:p>
             <a:fld id="{2BF6BA27-F998-474A-9441-D9FFA67BAC3B}" type="datetimeFigureOut">
               <a:rPr kumimoji="1" lang="ja-JP" altLang="en-US" smtClean="0"/>
-              <a:t>2018/4/3</a:t>
+              <a:t>2018/4/4</a:t>
             </a:fld>
             <a:endParaRPr kumimoji="1" lang="ja-JP" altLang="en-US"/>
           </a:p>
@@ -2538,7 +2538,7 @@
           <a:p>
             <a:fld id="{2BF6BA27-F998-474A-9441-D9FFA67BAC3B}" type="datetimeFigureOut">
               <a:rPr kumimoji="1" lang="ja-JP" altLang="en-US" smtClean="0"/>
-              <a:t>2018/4/3</a:t>
+              <a:t>2018/4/4</a:t>
             </a:fld>
             <a:endParaRPr kumimoji="1" lang="ja-JP" altLang="en-US"/>
           </a:p>
@@ -2756,7 +2756,7 @@
           <a:p>
             <a:fld id="{2BF6BA27-F998-474A-9441-D9FFA67BAC3B}" type="datetimeFigureOut">
               <a:rPr kumimoji="1" lang="ja-JP" altLang="en-US" smtClean="0"/>
-              <a:t>2018/4/3</a:t>
+              <a:t>2018/4/4</a:t>
             </a:fld>
             <a:endParaRPr kumimoji="1" lang="ja-JP" altLang="en-US"/>
           </a:p>
@@ -2968,7 +2968,7 @@
           <a:p>
             <a:fld id="{2BF6BA27-F998-474A-9441-D9FFA67BAC3B}" type="datetimeFigureOut">
               <a:rPr kumimoji="1" lang="ja-JP" altLang="en-US" smtClean="0"/>
-              <a:t>2018/4/3</a:t>
+              <a:t>2018/4/4</a:t>
             </a:fld>
             <a:endParaRPr kumimoji="1" lang="ja-JP" altLang="en-US"/>
           </a:p>
@@ -3218,7 +3218,7 @@
           <a:p>
             <a:fld id="{2BF6BA27-F998-474A-9441-D9FFA67BAC3B}" type="datetimeFigureOut">
               <a:rPr kumimoji="1" lang="ja-JP" altLang="en-US" smtClean="0"/>
-              <a:t>2018/4/3</a:t>
+              <a:t>2018/4/4</a:t>
             </a:fld>
             <a:endParaRPr kumimoji="1" lang="ja-JP" altLang="en-US"/>
           </a:p>
@@ -3529,7 +3529,7 @@
           <a:p>
             <a:fld id="{2BF6BA27-F998-474A-9441-D9FFA67BAC3B}" type="datetimeFigureOut">
               <a:rPr kumimoji="1" lang="ja-JP" altLang="en-US" smtClean="0"/>
-              <a:t>2018/4/3</a:t>
+              <a:t>2018/4/4</a:t>
             </a:fld>
             <a:endParaRPr kumimoji="1" lang="ja-JP" altLang="en-US"/>
           </a:p>
@@ -3982,7 +3982,7 @@
           <a:p>
             <a:fld id="{2BF6BA27-F998-474A-9441-D9FFA67BAC3B}" type="datetimeFigureOut">
               <a:rPr kumimoji="1" lang="ja-JP" altLang="en-US" smtClean="0"/>
-              <a:t>2018/4/3</a:t>
+              <a:t>2018/4/4</a:t>
             </a:fld>
             <a:endParaRPr kumimoji="1" lang="ja-JP" altLang="en-US"/>
           </a:p>
@@ -4111,7 +4111,7 @@
           <a:p>
             <a:fld id="{2BF6BA27-F998-474A-9441-D9FFA67BAC3B}" type="datetimeFigureOut">
               <a:rPr kumimoji="1" lang="ja-JP" altLang="en-US" smtClean="0"/>
-              <a:t>2018/4/3</a:t>
+              <a:t>2018/4/4</a:t>
             </a:fld>
             <a:endParaRPr kumimoji="1" lang="ja-JP" altLang="en-US"/>
           </a:p>
@@ -4206,7 +4206,7 @@
           <a:p>
             <a:fld id="{2BF6BA27-F998-474A-9441-D9FFA67BAC3B}" type="datetimeFigureOut">
               <a:rPr kumimoji="1" lang="ja-JP" altLang="en-US" smtClean="0"/>
-              <a:t>2018/4/3</a:t>
+              <a:t>2018/4/4</a:t>
             </a:fld>
             <a:endParaRPr kumimoji="1" lang="ja-JP" altLang="en-US"/>
           </a:p>
@@ -4493,7 +4493,7 @@
           <a:p>
             <a:fld id="{2BF6BA27-F998-474A-9441-D9FFA67BAC3B}" type="datetimeFigureOut">
               <a:rPr kumimoji="1" lang="ja-JP" altLang="en-US" smtClean="0"/>
-              <a:t>2018/4/3</a:t>
+              <a:t>2018/4/4</a:t>
             </a:fld>
             <a:endParaRPr kumimoji="1" lang="ja-JP" altLang="en-US"/>
           </a:p>
@@ -4776,7 +4776,7 @@
           <a:p>
             <a:fld id="{2BF6BA27-F998-474A-9441-D9FFA67BAC3B}" type="datetimeFigureOut">
               <a:rPr kumimoji="1" lang="ja-JP" altLang="en-US" smtClean="0"/>
-              <a:t>2018/4/3</a:t>
+              <a:t>2018/4/4</a:t>
             </a:fld>
             <a:endParaRPr kumimoji="1" lang="ja-JP" altLang="en-US"/>
           </a:p>
@@ -5219,7 +5219,7 @@
           <a:p>
             <a:fld id="{2BF6BA27-F998-474A-9441-D9FFA67BAC3B}" type="datetimeFigureOut">
               <a:rPr kumimoji="1" lang="ja-JP" altLang="en-US" smtClean="0"/>
-              <a:t>2018/4/3</a:t>
+              <a:t>2018/4/4</a:t>
             </a:fld>
             <a:endParaRPr kumimoji="1" lang="ja-JP" altLang="en-US"/>
           </a:p>
@@ -6262,7 +6262,7 @@
             <a:r>
               <a:rPr kumimoji="1" lang="ja-JP" altLang="en-US" b="1" dirty="0">
                 <a:solidFill>
-                  <a:schemeClr val="bg1"/>
+                  <a:schemeClr val="accent1"/>
                 </a:solidFill>
               </a:rPr>
               <a:t>ダブルクリック</a:t>
@@ -9368,7 +9368,7 @@
         <p:spPr>
           <a:xfrm>
             <a:off x="0" y="627321"/>
-            <a:ext cx="9143999" cy="1027204"/>
+            <a:ext cx="9143999" cy="6013185"/>
           </a:xfrm>
           <a:prstGeom prst="rect">
             <a:avLst/>
@@ -9398,7 +9398,261 @@
             </a:r>
             <a:r>
               <a:rPr kumimoji="1" lang="ja-JP" altLang="en-US" b="1" dirty="0"/>
-              <a:t>○　　　　　　　　　　</a:t>
+              <a:t>＜記入事項＞</a:t>
+            </a:r>
+            <a:endParaRPr kumimoji="1" lang="en-US" altLang="ja-JP" b="1" dirty="0"/>
+          </a:p>
+          <a:p>
+            <a:pPr>
+              <a:lnSpc>
+                <a:spcPct val="150000"/>
+              </a:lnSpc>
+            </a:pPr>
+            <a:r>
+              <a:rPr kumimoji="1" lang="ja-JP" altLang="en-US" b="1" dirty="0"/>
+              <a:t>　　○申請者</a:t>
+            </a:r>
+            <a:endParaRPr kumimoji="1" lang="en-US" altLang="ja-JP" b="1" dirty="0"/>
+          </a:p>
+          <a:p>
+            <a:pPr>
+              <a:lnSpc>
+                <a:spcPct val="150000"/>
+              </a:lnSpc>
+            </a:pPr>
+            <a:r>
+              <a:rPr kumimoji="1" lang="ja-JP" altLang="en-US" b="1" dirty="0"/>
+              <a:t>　　　所属部局、学科・専攻、氏名、学生証番号：</a:t>
+            </a:r>
+            <a:r>
+              <a:rPr kumimoji="1" lang="en-US" altLang="ja-JP" b="1" dirty="0"/>
+              <a:t>(</a:t>
+            </a:r>
+            <a:r>
+              <a:rPr kumimoji="1" lang="ja-JP" altLang="en-US" b="1" dirty="0"/>
+              <a:t>申請者の情報</a:t>
+            </a:r>
+            <a:r>
+              <a:rPr kumimoji="1" lang="en-US" altLang="ja-JP" b="1" dirty="0"/>
+              <a:t>)</a:t>
+            </a:r>
+          </a:p>
+          <a:p>
+            <a:pPr>
+              <a:lnSpc>
+                <a:spcPct val="150000"/>
+              </a:lnSpc>
+            </a:pPr>
+            <a:r>
+              <a:rPr kumimoji="1" lang="ja-JP" altLang="en-US" b="1" dirty="0"/>
+              <a:t>　　○身分：</a:t>
+            </a:r>
+            <a:r>
+              <a:rPr kumimoji="1" lang="en-US" altLang="ja-JP" b="1" dirty="0"/>
+              <a:t>(</a:t>
+            </a:r>
+            <a:r>
+              <a:rPr kumimoji="1" lang="ja-JP" altLang="en-US" b="1" dirty="0"/>
+              <a:t>申請者の身分、大学院学生とか</a:t>
+            </a:r>
+            <a:r>
+              <a:rPr kumimoji="1" lang="en-US" altLang="ja-JP" b="1" dirty="0"/>
+              <a:t>)</a:t>
+            </a:r>
+          </a:p>
+          <a:p>
+            <a:pPr>
+              <a:lnSpc>
+                <a:spcPct val="150000"/>
+              </a:lnSpc>
+            </a:pPr>
+            <a:r>
+              <a:rPr kumimoji="1" lang="ja-JP" altLang="en-US" b="1" dirty="0"/>
+              <a:t>　　○連絡先</a:t>
+            </a:r>
+            <a:endParaRPr kumimoji="1" lang="en-US" altLang="ja-JP" b="1" dirty="0"/>
+          </a:p>
+          <a:p>
+            <a:pPr>
+              <a:lnSpc>
+                <a:spcPct val="150000"/>
+              </a:lnSpc>
+            </a:pPr>
+            <a:r>
+              <a:rPr kumimoji="1" lang="ja-JP" altLang="en-US" b="1" dirty="0"/>
+              <a:t>　　　内線：</a:t>
+            </a:r>
+            <a:r>
+              <a:rPr kumimoji="1" lang="en-US" altLang="ja-JP" b="1" u="sng" dirty="0">
+                <a:solidFill>
+                  <a:schemeClr val="accent1"/>
+                </a:solidFill>
+              </a:rPr>
+              <a:t>24618</a:t>
+            </a:r>
+          </a:p>
+          <a:p>
+            <a:pPr>
+              <a:lnSpc>
+                <a:spcPct val="150000"/>
+              </a:lnSpc>
+            </a:pPr>
+            <a:r>
+              <a:rPr kumimoji="1" lang="ja-JP" altLang="en-US" b="1" dirty="0"/>
+              <a:t>　　　携帯電話番号、</a:t>
+            </a:r>
+            <a:r>
+              <a:rPr kumimoji="1" lang="en-US" altLang="ja-JP" b="1" dirty="0"/>
+              <a:t>E-mail</a:t>
+            </a:r>
+            <a:r>
+              <a:rPr kumimoji="1" lang="ja-JP" altLang="en-US" b="1" dirty="0"/>
+              <a:t>：</a:t>
+            </a:r>
+            <a:r>
+              <a:rPr kumimoji="1" lang="en-US" altLang="ja-JP" b="1" dirty="0"/>
+              <a:t>(</a:t>
+            </a:r>
+            <a:r>
+              <a:rPr kumimoji="1" lang="ja-JP" altLang="en-US" b="1" dirty="0"/>
+              <a:t>申請者の携帯電話番号、</a:t>
+            </a:r>
+            <a:r>
+              <a:rPr kumimoji="1" lang="en-US" altLang="ja-JP" b="1" dirty="0"/>
+              <a:t>E-mail)</a:t>
+            </a:r>
+          </a:p>
+          <a:p>
+            <a:pPr>
+              <a:lnSpc>
+                <a:spcPct val="150000"/>
+              </a:lnSpc>
+            </a:pPr>
+            <a:r>
+              <a:rPr kumimoji="1" lang="ja-JP" altLang="en-US" b="1" dirty="0"/>
+              <a:t>　　○防犯登録番号：</a:t>
+            </a:r>
+            <a:r>
+              <a:rPr kumimoji="1" lang="ja-JP" altLang="en-US" b="1" u="sng" dirty="0">
+                <a:solidFill>
+                  <a:schemeClr val="accent1"/>
+                </a:solidFill>
+              </a:rPr>
+              <a:t>本富士</a:t>
+            </a:r>
+            <a:r>
+              <a:rPr kumimoji="1" lang="en-US" altLang="ja-JP" b="1" u="sng" dirty="0">
+                <a:solidFill>
+                  <a:schemeClr val="accent1"/>
+                </a:solidFill>
+              </a:rPr>
+              <a:t>B 37903</a:t>
+            </a:r>
+          </a:p>
+          <a:p>
+            <a:pPr>
+              <a:lnSpc>
+                <a:spcPct val="150000"/>
+              </a:lnSpc>
+            </a:pPr>
+            <a:r>
+              <a:rPr kumimoji="1" lang="ja-JP" altLang="en-US" b="1" dirty="0"/>
+              <a:t>　　○用途：</a:t>
+            </a:r>
+            <a:r>
+              <a:rPr kumimoji="1" lang="ja-JP" altLang="en-US" b="1" u="sng" dirty="0">
+                <a:solidFill>
+                  <a:schemeClr val="accent1"/>
+                </a:solidFill>
+              </a:rPr>
+              <a:t>学内移動専用</a:t>
+            </a:r>
+            <a:endParaRPr kumimoji="1" lang="en-US" altLang="ja-JP" b="1" u="sng" dirty="0">
+              <a:solidFill>
+                <a:schemeClr val="accent1"/>
+              </a:solidFill>
+            </a:endParaRPr>
+          </a:p>
+          <a:p>
+            <a:pPr>
+              <a:lnSpc>
+                <a:spcPct val="150000"/>
+              </a:lnSpc>
+            </a:pPr>
+            <a:r>
+              <a:rPr kumimoji="1" lang="ja-JP" altLang="en-US" b="1" dirty="0"/>
+              <a:t>　　○住所：</a:t>
+            </a:r>
+            <a:r>
+              <a:rPr kumimoji="1" lang="en-US" altLang="ja-JP" b="1" dirty="0"/>
+              <a:t>(</a:t>
+            </a:r>
+            <a:r>
+              <a:rPr kumimoji="1" lang="ja-JP" altLang="en-US" b="1" dirty="0"/>
+              <a:t>申請者の住所</a:t>
+            </a:r>
+            <a:r>
+              <a:rPr kumimoji="1" lang="en-US" altLang="ja-JP" b="1" dirty="0"/>
+              <a:t>)</a:t>
+            </a:r>
+          </a:p>
+          <a:p>
+            <a:pPr>
+              <a:lnSpc>
+                <a:spcPct val="150000"/>
+              </a:lnSpc>
+            </a:pPr>
+            <a:r>
+              <a:rPr kumimoji="1" lang="ja-JP" altLang="en-US" b="1" dirty="0"/>
+              <a:t>　　</a:t>
+            </a:r>
+            <a:endParaRPr kumimoji="1" lang="en-US" altLang="ja-JP" b="1" dirty="0"/>
+          </a:p>
+          <a:p>
+            <a:pPr>
+              <a:lnSpc>
+                <a:spcPct val="150000"/>
+              </a:lnSpc>
+            </a:pPr>
+            <a:r>
+              <a:rPr kumimoji="1" lang="ja-JP" altLang="en-US" b="1" dirty="0"/>
+              <a:t>　　＜代金＞</a:t>
+            </a:r>
+            <a:endParaRPr kumimoji="1" lang="en-US" altLang="ja-JP" b="1" dirty="0"/>
+          </a:p>
+          <a:p>
+            <a:pPr>
+              <a:lnSpc>
+                <a:spcPct val="150000"/>
+              </a:lnSpc>
+            </a:pPr>
+            <a:r>
+              <a:rPr kumimoji="1" lang="ja-JP" altLang="en-US" b="1" dirty="0"/>
+              <a:t>　　　</a:t>
+            </a:r>
+            <a:r>
+              <a:rPr kumimoji="1" lang="en-US" altLang="ja-JP" b="1" dirty="0"/>
+              <a:t>1000</a:t>
+            </a:r>
+            <a:r>
+              <a:rPr kumimoji="1" lang="ja-JP" altLang="en-US" b="1" dirty="0"/>
+              <a:t>円</a:t>
+            </a:r>
+            <a:r>
+              <a:rPr kumimoji="1" lang="en-US" altLang="ja-JP" b="1" dirty="0"/>
+              <a:t>(</a:t>
+            </a:r>
+            <a:r>
+              <a:rPr kumimoji="1" lang="ja-JP" altLang="en-US" b="1" dirty="0"/>
+              <a:t>共益費から出す</a:t>
+            </a:r>
+            <a:r>
+              <a:rPr kumimoji="1" lang="en-US" altLang="ja-JP" b="1" dirty="0"/>
+              <a:t>)</a:t>
+            </a:r>
+            <a:r>
+              <a:rPr kumimoji="1" lang="ja-JP" altLang="en-US" b="1" dirty="0"/>
+              <a:t>　　　　　　　　　　</a:t>
             </a:r>
             <a:endParaRPr kumimoji="1" lang="en-US" altLang="ja-JP" b="1" dirty="0"/>
           </a:p>
@@ -14944,7 +15198,7 @@
             <a:r>
               <a:rPr kumimoji="1" lang="ja-JP" altLang="en-US" b="1" dirty="0">
                 <a:solidFill>
-                  <a:schemeClr val="bg1"/>
+                  <a:schemeClr val="accent1"/>
                 </a:solidFill>
               </a:rPr>
               <a:t>ダブルクリック</a:t>

--- a/05_lab_orientation/庶務のお仕事.pptx
+++ b/05_lab_orientation/庶務のお仕事.pptx
@@ -9483,13 +9483,18 @@
               <a:t>　　　内線：</a:t>
             </a:r>
             <a:r>
-              <a:rPr kumimoji="1" lang="en-US" altLang="ja-JP" b="1" u="sng" dirty="0">
+              <a:rPr kumimoji="1" lang="en-US" altLang="ja-JP" b="1" u="sng">
                 <a:solidFill>
                   <a:schemeClr val="accent1"/>
                 </a:solidFill>
               </a:rPr>
-              <a:t>24618</a:t>
-            </a:r>
+              <a:t>26118</a:t>
+            </a:r>
+            <a:endParaRPr kumimoji="1" lang="en-US" altLang="ja-JP" b="1" u="sng" dirty="0">
+              <a:solidFill>
+                <a:schemeClr val="accent1"/>
+              </a:solidFill>
+            </a:endParaRPr>
           </a:p>
           <a:p>
             <a:pPr>
